--- a/Technical Presentation/Technical Presentation - Java Lagged.pptx
+++ b/Technical Presentation/Technical Presentation - Java Lagged.pptx
@@ -10101,6 +10101,36 @@
           </a:p>
         </p:txBody>
       </p:sp>
+      <p:pic>
+        <p:nvPicPr>
+          <p:cNvPr id="3" name="Picture 2"/>
+          <p:cNvPicPr>
+            <a:picLocks noChangeAspect="1"/>
+          </p:cNvPicPr>
+          <p:nvPr/>
+        </p:nvPicPr>
+        <p:blipFill>
+          <a:blip r:embed="rId2">
+            <a:extLst>
+              <a:ext uri="{28A0092B-C50C-407E-A947-70E740481C1C}">
+                <a14:useLocalDpi xmlns:a14="http://schemas.microsoft.com/office/drawing/2010/main" val="0"/>
+              </a:ext>
+            </a:extLst>
+          </a:blip>
+          <a:stretch>
+            <a:fillRect/>
+          </a:stretch>
+        </p:blipFill>
+        <p:spPr>
+          <a:xfrm>
+            <a:off x="677334" y="1930400"/>
+            <a:ext cx="5765800" cy="3517900"/>
+          </a:xfrm>
+          <a:prstGeom prst="rect">
+            <a:avLst/>
+          </a:prstGeom>
+        </p:spPr>
+      </p:pic>
     </p:spTree>
     <p:extLst>
       <p:ext uri="{BB962C8B-B14F-4D97-AF65-F5344CB8AC3E}">
@@ -10154,6 +10184,36 @@
           </a:p>
         </p:txBody>
       </p:sp>
+      <p:pic>
+        <p:nvPicPr>
+          <p:cNvPr id="3" name="Picture 2"/>
+          <p:cNvPicPr>
+            <a:picLocks noChangeAspect="1"/>
+          </p:cNvPicPr>
+          <p:nvPr/>
+        </p:nvPicPr>
+        <p:blipFill>
+          <a:blip r:embed="rId2">
+            <a:extLst>
+              <a:ext uri="{28A0092B-C50C-407E-A947-70E740481C1C}">
+                <a14:useLocalDpi xmlns:a14="http://schemas.microsoft.com/office/drawing/2010/main" val="0"/>
+              </a:ext>
+            </a:extLst>
+          </a:blip>
+          <a:stretch>
+            <a:fillRect/>
+          </a:stretch>
+        </p:blipFill>
+        <p:spPr>
+          <a:xfrm>
+            <a:off x="677334" y="1270000"/>
+            <a:ext cx="5626587" cy="5104640"/>
+          </a:xfrm>
+          <a:prstGeom prst="rect">
+            <a:avLst/>
+          </a:prstGeom>
+        </p:spPr>
+      </p:pic>
     </p:spTree>
     <p:extLst>
       <p:ext uri="{BB962C8B-B14F-4D97-AF65-F5344CB8AC3E}">
@@ -10207,6 +10267,36 @@
           </a:p>
         </p:txBody>
       </p:sp>
+      <p:pic>
+        <p:nvPicPr>
+          <p:cNvPr id="4" name="Picture 3"/>
+          <p:cNvPicPr>
+            <a:picLocks noChangeAspect="1"/>
+          </p:cNvPicPr>
+          <p:nvPr/>
+        </p:nvPicPr>
+        <p:blipFill>
+          <a:blip r:embed="rId2">
+            <a:extLst>
+              <a:ext uri="{28A0092B-C50C-407E-A947-70E740481C1C}">
+                <a14:useLocalDpi xmlns:a14="http://schemas.microsoft.com/office/drawing/2010/main" val="0"/>
+              </a:ext>
+            </a:extLst>
+          </a:blip>
+          <a:stretch>
+            <a:fillRect/>
+          </a:stretch>
+        </p:blipFill>
+        <p:spPr>
+          <a:xfrm>
+            <a:off x="677334" y="2099732"/>
+            <a:ext cx="10802423" cy="2777067"/>
+          </a:xfrm>
+          <a:prstGeom prst="rect">
+            <a:avLst/>
+          </a:prstGeom>
+        </p:spPr>
+      </p:pic>
     </p:spTree>
     <p:extLst>
       <p:ext uri="{BB962C8B-B14F-4D97-AF65-F5344CB8AC3E}">
@@ -10260,6 +10350,357 @@
             <a:r>
               <a:rPr lang="en-US" dirty="0" smtClean="0"/>
               <a:t>Known Bugs/Problems</a:t>
+            </a:r>
+            <a:endParaRPr lang="en-US" dirty="0"/>
+          </a:p>
+        </p:txBody>
+      </p:sp>
+      <p:sp>
+        <p:nvSpPr>
+          <p:cNvPr id="3" name="Content Placeholder 2"/>
+          <p:cNvSpPr txBox="1">
+            <a:spLocks/>
+          </p:cNvSpPr>
+          <p:nvPr/>
+        </p:nvSpPr>
+        <p:spPr>
+          <a:xfrm>
+            <a:off x="287866" y="1540933"/>
+            <a:ext cx="10464800" cy="5317067"/>
+          </a:xfrm>
+          <a:prstGeom prst="rect">
+            <a:avLst/>
+          </a:prstGeom>
+        </p:spPr>
+        <p:txBody>
+          <a:bodyPr/>
+          <a:lstStyle>
+            <a:lvl1pPr marL="342900" indent="-342900" algn="l" defTabSz="457200" rtl="0" eaLnBrk="1" latinLnBrk="0" hangingPunct="1">
+              <a:spcBef>
+                <a:spcPts val="1000"/>
+              </a:spcBef>
+              <a:spcAft>
+                <a:spcPts val="0"/>
+              </a:spcAft>
+              <a:buClr>
+                <a:schemeClr val="accent1"/>
+              </a:buClr>
+              <a:buSzPct val="80000"/>
+              <a:buFont typeface="Wingdings 3" charset="2"/>
+              <a:buChar char=""/>
+              <a:defRPr sz="1800" kern="1200">
+                <a:solidFill>
+                  <a:schemeClr val="tx1">
+                    <a:lumMod val="75000"/>
+                    <a:lumOff val="25000"/>
+                  </a:schemeClr>
+                </a:solidFill>
+                <a:latin typeface="+mn-lt"/>
+                <a:ea typeface="+mn-ea"/>
+                <a:cs typeface="+mn-cs"/>
+              </a:defRPr>
+            </a:lvl1pPr>
+            <a:lvl2pPr marL="742950" indent="-285750" algn="l" defTabSz="457200" rtl="0" eaLnBrk="1" latinLnBrk="0" hangingPunct="1">
+              <a:spcBef>
+                <a:spcPts val="1000"/>
+              </a:spcBef>
+              <a:spcAft>
+                <a:spcPts val="0"/>
+              </a:spcAft>
+              <a:buClr>
+                <a:schemeClr val="accent1"/>
+              </a:buClr>
+              <a:buSzPct val="80000"/>
+              <a:buFont typeface="Wingdings 3" charset="2"/>
+              <a:buChar char=""/>
+              <a:defRPr sz="1600" kern="1200">
+                <a:solidFill>
+                  <a:schemeClr val="tx1">
+                    <a:lumMod val="75000"/>
+                    <a:lumOff val="25000"/>
+                  </a:schemeClr>
+                </a:solidFill>
+                <a:latin typeface="+mn-lt"/>
+                <a:ea typeface="+mn-ea"/>
+                <a:cs typeface="+mn-cs"/>
+              </a:defRPr>
+            </a:lvl2pPr>
+            <a:lvl3pPr marL="1143000" indent="-228600" algn="l" defTabSz="457200" rtl="0" eaLnBrk="1" latinLnBrk="0" hangingPunct="1">
+              <a:spcBef>
+                <a:spcPts val="1000"/>
+              </a:spcBef>
+              <a:spcAft>
+                <a:spcPts val="0"/>
+              </a:spcAft>
+              <a:buClr>
+                <a:schemeClr val="accent1"/>
+              </a:buClr>
+              <a:buSzPct val="80000"/>
+              <a:buFont typeface="Wingdings 3" charset="2"/>
+              <a:buChar char=""/>
+              <a:defRPr sz="1400" kern="1200">
+                <a:solidFill>
+                  <a:schemeClr val="tx1">
+                    <a:lumMod val="75000"/>
+                    <a:lumOff val="25000"/>
+                  </a:schemeClr>
+                </a:solidFill>
+                <a:latin typeface="+mn-lt"/>
+                <a:ea typeface="+mn-ea"/>
+                <a:cs typeface="+mn-cs"/>
+              </a:defRPr>
+            </a:lvl3pPr>
+            <a:lvl4pPr marL="1600200" indent="-228600" algn="l" defTabSz="457200" rtl="0" eaLnBrk="1" latinLnBrk="0" hangingPunct="1">
+              <a:spcBef>
+                <a:spcPts val="1000"/>
+              </a:spcBef>
+              <a:spcAft>
+                <a:spcPts val="0"/>
+              </a:spcAft>
+              <a:buClr>
+                <a:schemeClr val="accent1"/>
+              </a:buClr>
+              <a:buSzPct val="80000"/>
+              <a:buFont typeface="Wingdings 3" charset="2"/>
+              <a:buChar char=""/>
+              <a:defRPr sz="1200" kern="1200">
+                <a:solidFill>
+                  <a:schemeClr val="tx1">
+                    <a:lumMod val="75000"/>
+                    <a:lumOff val="25000"/>
+                  </a:schemeClr>
+                </a:solidFill>
+                <a:latin typeface="+mn-lt"/>
+                <a:ea typeface="+mn-ea"/>
+                <a:cs typeface="+mn-cs"/>
+              </a:defRPr>
+            </a:lvl4pPr>
+            <a:lvl5pPr marL="2057400" indent="-228600" algn="l" defTabSz="457200" rtl="0" eaLnBrk="1" latinLnBrk="0" hangingPunct="1">
+              <a:spcBef>
+                <a:spcPts val="1000"/>
+              </a:spcBef>
+              <a:spcAft>
+                <a:spcPts val="0"/>
+              </a:spcAft>
+              <a:buClr>
+                <a:schemeClr val="accent1"/>
+              </a:buClr>
+              <a:buSzPct val="80000"/>
+              <a:buFont typeface="Wingdings 3" charset="2"/>
+              <a:buChar char=""/>
+              <a:defRPr sz="1200" kern="1200">
+                <a:solidFill>
+                  <a:schemeClr val="tx1">
+                    <a:lumMod val="75000"/>
+                    <a:lumOff val="25000"/>
+                  </a:schemeClr>
+                </a:solidFill>
+                <a:latin typeface="+mn-lt"/>
+                <a:ea typeface="+mn-ea"/>
+                <a:cs typeface="+mn-cs"/>
+              </a:defRPr>
+            </a:lvl5pPr>
+            <a:lvl6pPr marL="2514600" indent="-228600" algn="l" defTabSz="457200" rtl="0" eaLnBrk="1" latinLnBrk="0" hangingPunct="1">
+              <a:spcBef>
+                <a:spcPts val="1000"/>
+              </a:spcBef>
+              <a:spcAft>
+                <a:spcPts val="0"/>
+              </a:spcAft>
+              <a:buClr>
+                <a:schemeClr val="accent1"/>
+              </a:buClr>
+              <a:buSzPct val="80000"/>
+              <a:buFont typeface="Wingdings 3" charset="2"/>
+              <a:buChar char=""/>
+              <a:defRPr sz="1200" kern="1200">
+                <a:solidFill>
+                  <a:schemeClr val="tx1">
+                    <a:lumMod val="75000"/>
+                    <a:lumOff val="25000"/>
+                  </a:schemeClr>
+                </a:solidFill>
+                <a:latin typeface="+mn-lt"/>
+                <a:ea typeface="+mn-ea"/>
+                <a:cs typeface="+mn-cs"/>
+              </a:defRPr>
+            </a:lvl6pPr>
+            <a:lvl7pPr marL="2971800" indent="-228600" algn="l" defTabSz="457200" rtl="0" eaLnBrk="1" latinLnBrk="0" hangingPunct="1">
+              <a:spcBef>
+                <a:spcPts val="1000"/>
+              </a:spcBef>
+              <a:spcAft>
+                <a:spcPts val="0"/>
+              </a:spcAft>
+              <a:buClr>
+                <a:schemeClr val="accent1"/>
+              </a:buClr>
+              <a:buSzPct val="80000"/>
+              <a:buFont typeface="Wingdings 3" charset="2"/>
+              <a:buChar char=""/>
+              <a:defRPr sz="1200" kern="1200">
+                <a:solidFill>
+                  <a:schemeClr val="tx1">
+                    <a:lumMod val="75000"/>
+                    <a:lumOff val="25000"/>
+                  </a:schemeClr>
+                </a:solidFill>
+                <a:latin typeface="+mn-lt"/>
+                <a:ea typeface="+mn-ea"/>
+                <a:cs typeface="+mn-cs"/>
+              </a:defRPr>
+            </a:lvl7pPr>
+            <a:lvl8pPr marL="3429000" indent="-228600" algn="l" defTabSz="457200" rtl="0" eaLnBrk="1" latinLnBrk="0" hangingPunct="1">
+              <a:spcBef>
+                <a:spcPts val="1000"/>
+              </a:spcBef>
+              <a:spcAft>
+                <a:spcPts val="0"/>
+              </a:spcAft>
+              <a:buClr>
+                <a:schemeClr val="accent1"/>
+              </a:buClr>
+              <a:buSzPct val="80000"/>
+              <a:buFont typeface="Wingdings 3" charset="2"/>
+              <a:buChar char=""/>
+              <a:defRPr sz="1200" kern="1200">
+                <a:solidFill>
+                  <a:schemeClr val="tx1">
+                    <a:lumMod val="75000"/>
+                    <a:lumOff val="25000"/>
+                  </a:schemeClr>
+                </a:solidFill>
+                <a:latin typeface="+mn-lt"/>
+                <a:ea typeface="+mn-ea"/>
+                <a:cs typeface="+mn-cs"/>
+              </a:defRPr>
+            </a:lvl8pPr>
+            <a:lvl9pPr marL="3886200" indent="-228600" algn="l" defTabSz="457200" rtl="0" eaLnBrk="1" latinLnBrk="0" hangingPunct="1">
+              <a:spcBef>
+                <a:spcPts val="1000"/>
+              </a:spcBef>
+              <a:spcAft>
+                <a:spcPts val="0"/>
+              </a:spcAft>
+              <a:buClr>
+                <a:schemeClr val="accent1"/>
+              </a:buClr>
+              <a:buSzPct val="80000"/>
+              <a:buFont typeface="Wingdings 3" charset="2"/>
+              <a:buChar char=""/>
+              <a:defRPr sz="1200" kern="1200">
+                <a:solidFill>
+                  <a:schemeClr val="tx1">
+                    <a:lumMod val="75000"/>
+                    <a:lumOff val="25000"/>
+                  </a:schemeClr>
+                </a:solidFill>
+                <a:latin typeface="+mn-lt"/>
+                <a:ea typeface="+mn-ea"/>
+                <a:cs typeface="+mn-cs"/>
+              </a:defRPr>
+            </a:lvl9pPr>
+          </a:lstStyle>
+          <a:p>
+            <a:r>
+              <a:rPr lang="en-US" sz="2400" dirty="0" smtClean="0"/>
+              <a:t>Some search results return an error message stopping the program</a:t>
+            </a:r>
+          </a:p>
+          <a:p>
+            <a:r>
+              <a:rPr lang="en-US" sz="2400" dirty="0" smtClean="0"/>
+              <a:t>SQL Query to retrieve music performers stops when there are no music performers for a show. Currently the work around is to set a music performer for a performance with all fields amounting to null</a:t>
+            </a:r>
+          </a:p>
+          <a:p>
+            <a:r>
+              <a:rPr lang="en-US" sz="2400" dirty="0" smtClean="0"/>
+              <a:t>Some strings present ’odd’ symbols/characters. </a:t>
+            </a:r>
+          </a:p>
+          <a:p>
+            <a:pPr lvl="1"/>
+            <a:r>
+              <a:rPr lang="en-US" sz="2400" dirty="0" smtClean="0"/>
+              <a:t>Believe this to be a mac/windows translation problem</a:t>
+            </a:r>
+          </a:p>
+          <a:p>
+            <a:r>
+              <a:rPr lang="en-US" sz="2400" dirty="0" smtClean="0"/>
+              <a:t>Shows which have already started will still be listed in the database</a:t>
+            </a:r>
+          </a:p>
+          <a:p>
+            <a:pPr lvl="1"/>
+            <a:r>
+              <a:rPr lang="en-US" sz="2400" dirty="0" smtClean="0"/>
+              <a:t>The SQL queries need to be updated to reflect this in the program</a:t>
+            </a:r>
+          </a:p>
+          <a:p>
+            <a:pPr lvl="1"/>
+            <a:r>
+              <a:rPr lang="en-US" sz="2400" dirty="0" smtClean="0"/>
+              <a:t>For now the database must be updated each time any concert has already started</a:t>
+            </a:r>
+          </a:p>
+        </p:txBody>
+      </p:sp>
+    </p:spTree>
+    <p:extLst>
+      <p:ext uri="{BB962C8B-B14F-4D97-AF65-F5344CB8AC3E}">
+        <p14:creationId xmlns:p14="http://schemas.microsoft.com/office/powerpoint/2010/main" val="1764759779"/>
+      </p:ext>
+    </p:extLst>
+  </p:cSld>
+  <p:clrMapOvr>
+    <a:masterClrMapping/>
+  </p:clrMapOvr>
+</p:sld>
+</file>
+
+<file path=ppt/slides/slide15.xml><?xml version="1.0" encoding="utf-8"?>
+<p:sld xmlns:a="http://schemas.openxmlformats.org/drawingml/2006/main" xmlns:r="http://schemas.openxmlformats.org/officeDocument/2006/relationships" xmlns:p="http://schemas.openxmlformats.org/presentationml/2006/main">
+  <p:cSld>
+    <p:spTree>
+      <p:nvGrpSpPr>
+        <p:cNvPr id="1" name=""/>
+        <p:cNvGrpSpPr/>
+        <p:nvPr/>
+      </p:nvGrpSpPr>
+      <p:grpSpPr>
+        <a:xfrm>
+          <a:off x="0" y="0"/>
+          <a:ext cx="0" cy="0"/>
+          <a:chOff x="0" y="0"/>
+          <a:chExt cx="0" cy="0"/>
+        </a:xfrm>
+      </p:grpSpPr>
+      <p:sp>
+        <p:nvSpPr>
+          <p:cNvPr id="6" name="Title 1"/>
+          <p:cNvSpPr>
+            <a:spLocks noGrp="1"/>
+          </p:cNvSpPr>
+          <p:nvPr>
+            <p:ph type="title"/>
+          </p:nvPr>
+        </p:nvSpPr>
+        <p:spPr>
+          <a:xfrm>
+            <a:off x="677334" y="609600"/>
+            <a:ext cx="8596668" cy="1320800"/>
+          </a:xfrm>
+        </p:spPr>
+        <p:txBody>
+          <a:bodyPr/>
+          <a:lstStyle/>
+          <a:p>
+            <a:r>
+              <a:rPr lang="en-US" dirty="0" smtClean="0"/>
+              <a:t>Urgent updates needed</a:t>
             </a:r>
             <a:endParaRPr lang="en-US" dirty="0"/>
           </a:p>
@@ -10512,345 +10953,6 @@
             </a:lvl9pPr>
           </a:lstStyle>
           <a:p>
-            <a:r>
-              <a:rPr lang="en-US" sz="2800" dirty="0" smtClean="0"/>
-              <a:t>Some strings present ’odd’ symbols/characters. </a:t>
-            </a:r>
-          </a:p>
-          <a:p>
-            <a:pPr lvl="1"/>
-            <a:r>
-              <a:rPr lang="en-US" sz="2600" dirty="0" smtClean="0"/>
-              <a:t>Believe this to be a mac/windows translation problem</a:t>
-            </a:r>
-          </a:p>
-          <a:p>
-            <a:r>
-              <a:rPr lang="en-US" sz="2800" dirty="0" smtClean="0"/>
-              <a:t>Shows which have already started will still be listed in the database</a:t>
-            </a:r>
-          </a:p>
-          <a:p>
-            <a:pPr lvl="1"/>
-            <a:r>
-              <a:rPr lang="en-US" sz="2600" dirty="0" smtClean="0"/>
-              <a:t>The SQL queries need to be updated to reflect this in the program</a:t>
-            </a:r>
-          </a:p>
-          <a:p>
-            <a:pPr lvl="1"/>
-            <a:r>
-              <a:rPr lang="en-US" sz="2600" dirty="0" smtClean="0"/>
-              <a:t>For now the database must be updated each time any concert has already started</a:t>
-            </a:r>
-          </a:p>
-        </p:txBody>
-      </p:sp>
-    </p:spTree>
-    <p:extLst>
-      <p:ext uri="{BB962C8B-B14F-4D97-AF65-F5344CB8AC3E}">
-        <p14:creationId xmlns:p14="http://schemas.microsoft.com/office/powerpoint/2010/main" val="1764759779"/>
-      </p:ext>
-    </p:extLst>
-  </p:cSld>
-  <p:clrMapOvr>
-    <a:masterClrMapping/>
-  </p:clrMapOvr>
-</p:sld>
-</file>
-
-<file path=ppt/slides/slide15.xml><?xml version="1.0" encoding="utf-8"?>
-<p:sld xmlns:a="http://schemas.openxmlformats.org/drawingml/2006/main" xmlns:r="http://schemas.openxmlformats.org/officeDocument/2006/relationships" xmlns:p="http://schemas.openxmlformats.org/presentationml/2006/main">
-  <p:cSld>
-    <p:spTree>
-      <p:nvGrpSpPr>
-        <p:cNvPr id="1" name=""/>
-        <p:cNvGrpSpPr/>
-        <p:nvPr/>
-      </p:nvGrpSpPr>
-      <p:grpSpPr>
-        <a:xfrm>
-          <a:off x="0" y="0"/>
-          <a:ext cx="0" cy="0"/>
-          <a:chOff x="0" y="0"/>
-          <a:chExt cx="0" cy="0"/>
-        </a:xfrm>
-      </p:grpSpPr>
-      <p:sp>
-        <p:nvSpPr>
-          <p:cNvPr id="6" name="Title 1"/>
-          <p:cNvSpPr>
-            <a:spLocks noGrp="1"/>
-          </p:cNvSpPr>
-          <p:nvPr>
-            <p:ph type="title"/>
-          </p:nvPr>
-        </p:nvSpPr>
-        <p:spPr>
-          <a:xfrm>
-            <a:off x="677334" y="609600"/>
-            <a:ext cx="8596668" cy="1320800"/>
-          </a:xfrm>
-        </p:spPr>
-        <p:txBody>
-          <a:bodyPr/>
-          <a:lstStyle/>
-          <a:p>
-            <a:r>
-              <a:rPr lang="en-US" dirty="0" smtClean="0"/>
-              <a:t>Urgent updates needed</a:t>
-            </a:r>
-            <a:endParaRPr lang="en-US" dirty="0"/>
-          </a:p>
-        </p:txBody>
-      </p:sp>
-      <p:sp>
-        <p:nvSpPr>
-          <p:cNvPr id="3" name="Content Placeholder 2"/>
-          <p:cNvSpPr txBox="1">
-            <a:spLocks/>
-          </p:cNvSpPr>
-          <p:nvPr/>
-        </p:nvSpPr>
-        <p:spPr>
-          <a:xfrm>
-            <a:off x="304800" y="1761066"/>
-            <a:ext cx="10464800" cy="5317067"/>
-          </a:xfrm>
-          <a:prstGeom prst="rect">
-            <a:avLst/>
-          </a:prstGeom>
-        </p:spPr>
-        <p:txBody>
-          <a:bodyPr/>
-          <a:lstStyle>
-            <a:lvl1pPr marL="342900" indent="-342900" algn="l" defTabSz="457200" rtl="0" eaLnBrk="1" latinLnBrk="0" hangingPunct="1">
-              <a:spcBef>
-                <a:spcPts val="1000"/>
-              </a:spcBef>
-              <a:spcAft>
-                <a:spcPts val="0"/>
-              </a:spcAft>
-              <a:buClr>
-                <a:schemeClr val="accent1"/>
-              </a:buClr>
-              <a:buSzPct val="80000"/>
-              <a:buFont typeface="Wingdings 3" charset="2"/>
-              <a:buChar char=""/>
-              <a:defRPr sz="1800" kern="1200">
-                <a:solidFill>
-                  <a:schemeClr val="tx1">
-                    <a:lumMod val="75000"/>
-                    <a:lumOff val="25000"/>
-                  </a:schemeClr>
-                </a:solidFill>
-                <a:latin typeface="+mn-lt"/>
-                <a:ea typeface="+mn-ea"/>
-                <a:cs typeface="+mn-cs"/>
-              </a:defRPr>
-            </a:lvl1pPr>
-            <a:lvl2pPr marL="742950" indent="-285750" algn="l" defTabSz="457200" rtl="0" eaLnBrk="1" latinLnBrk="0" hangingPunct="1">
-              <a:spcBef>
-                <a:spcPts val="1000"/>
-              </a:spcBef>
-              <a:spcAft>
-                <a:spcPts val="0"/>
-              </a:spcAft>
-              <a:buClr>
-                <a:schemeClr val="accent1"/>
-              </a:buClr>
-              <a:buSzPct val="80000"/>
-              <a:buFont typeface="Wingdings 3" charset="2"/>
-              <a:buChar char=""/>
-              <a:defRPr sz="1600" kern="1200">
-                <a:solidFill>
-                  <a:schemeClr val="tx1">
-                    <a:lumMod val="75000"/>
-                    <a:lumOff val="25000"/>
-                  </a:schemeClr>
-                </a:solidFill>
-                <a:latin typeface="+mn-lt"/>
-                <a:ea typeface="+mn-ea"/>
-                <a:cs typeface="+mn-cs"/>
-              </a:defRPr>
-            </a:lvl2pPr>
-            <a:lvl3pPr marL="1143000" indent="-228600" algn="l" defTabSz="457200" rtl="0" eaLnBrk="1" latinLnBrk="0" hangingPunct="1">
-              <a:spcBef>
-                <a:spcPts val="1000"/>
-              </a:spcBef>
-              <a:spcAft>
-                <a:spcPts val="0"/>
-              </a:spcAft>
-              <a:buClr>
-                <a:schemeClr val="accent1"/>
-              </a:buClr>
-              <a:buSzPct val="80000"/>
-              <a:buFont typeface="Wingdings 3" charset="2"/>
-              <a:buChar char=""/>
-              <a:defRPr sz="1400" kern="1200">
-                <a:solidFill>
-                  <a:schemeClr val="tx1">
-                    <a:lumMod val="75000"/>
-                    <a:lumOff val="25000"/>
-                  </a:schemeClr>
-                </a:solidFill>
-                <a:latin typeface="+mn-lt"/>
-                <a:ea typeface="+mn-ea"/>
-                <a:cs typeface="+mn-cs"/>
-              </a:defRPr>
-            </a:lvl3pPr>
-            <a:lvl4pPr marL="1600200" indent="-228600" algn="l" defTabSz="457200" rtl="0" eaLnBrk="1" latinLnBrk="0" hangingPunct="1">
-              <a:spcBef>
-                <a:spcPts val="1000"/>
-              </a:spcBef>
-              <a:spcAft>
-                <a:spcPts val="0"/>
-              </a:spcAft>
-              <a:buClr>
-                <a:schemeClr val="accent1"/>
-              </a:buClr>
-              <a:buSzPct val="80000"/>
-              <a:buFont typeface="Wingdings 3" charset="2"/>
-              <a:buChar char=""/>
-              <a:defRPr sz="1200" kern="1200">
-                <a:solidFill>
-                  <a:schemeClr val="tx1">
-                    <a:lumMod val="75000"/>
-                    <a:lumOff val="25000"/>
-                  </a:schemeClr>
-                </a:solidFill>
-                <a:latin typeface="+mn-lt"/>
-                <a:ea typeface="+mn-ea"/>
-                <a:cs typeface="+mn-cs"/>
-              </a:defRPr>
-            </a:lvl4pPr>
-            <a:lvl5pPr marL="2057400" indent="-228600" algn="l" defTabSz="457200" rtl="0" eaLnBrk="1" latinLnBrk="0" hangingPunct="1">
-              <a:spcBef>
-                <a:spcPts val="1000"/>
-              </a:spcBef>
-              <a:spcAft>
-                <a:spcPts val="0"/>
-              </a:spcAft>
-              <a:buClr>
-                <a:schemeClr val="accent1"/>
-              </a:buClr>
-              <a:buSzPct val="80000"/>
-              <a:buFont typeface="Wingdings 3" charset="2"/>
-              <a:buChar char=""/>
-              <a:defRPr sz="1200" kern="1200">
-                <a:solidFill>
-                  <a:schemeClr val="tx1">
-                    <a:lumMod val="75000"/>
-                    <a:lumOff val="25000"/>
-                  </a:schemeClr>
-                </a:solidFill>
-                <a:latin typeface="+mn-lt"/>
-                <a:ea typeface="+mn-ea"/>
-                <a:cs typeface="+mn-cs"/>
-              </a:defRPr>
-            </a:lvl5pPr>
-            <a:lvl6pPr marL="2514600" indent="-228600" algn="l" defTabSz="457200" rtl="0" eaLnBrk="1" latinLnBrk="0" hangingPunct="1">
-              <a:spcBef>
-                <a:spcPts val="1000"/>
-              </a:spcBef>
-              <a:spcAft>
-                <a:spcPts val="0"/>
-              </a:spcAft>
-              <a:buClr>
-                <a:schemeClr val="accent1"/>
-              </a:buClr>
-              <a:buSzPct val="80000"/>
-              <a:buFont typeface="Wingdings 3" charset="2"/>
-              <a:buChar char=""/>
-              <a:defRPr sz="1200" kern="1200">
-                <a:solidFill>
-                  <a:schemeClr val="tx1">
-                    <a:lumMod val="75000"/>
-                    <a:lumOff val="25000"/>
-                  </a:schemeClr>
-                </a:solidFill>
-                <a:latin typeface="+mn-lt"/>
-                <a:ea typeface="+mn-ea"/>
-                <a:cs typeface="+mn-cs"/>
-              </a:defRPr>
-            </a:lvl6pPr>
-            <a:lvl7pPr marL="2971800" indent="-228600" algn="l" defTabSz="457200" rtl="0" eaLnBrk="1" latinLnBrk="0" hangingPunct="1">
-              <a:spcBef>
-                <a:spcPts val="1000"/>
-              </a:spcBef>
-              <a:spcAft>
-                <a:spcPts val="0"/>
-              </a:spcAft>
-              <a:buClr>
-                <a:schemeClr val="accent1"/>
-              </a:buClr>
-              <a:buSzPct val="80000"/>
-              <a:buFont typeface="Wingdings 3" charset="2"/>
-              <a:buChar char=""/>
-              <a:defRPr sz="1200" kern="1200">
-                <a:solidFill>
-                  <a:schemeClr val="tx1">
-                    <a:lumMod val="75000"/>
-                    <a:lumOff val="25000"/>
-                  </a:schemeClr>
-                </a:solidFill>
-                <a:latin typeface="+mn-lt"/>
-                <a:ea typeface="+mn-ea"/>
-                <a:cs typeface="+mn-cs"/>
-              </a:defRPr>
-            </a:lvl7pPr>
-            <a:lvl8pPr marL="3429000" indent="-228600" algn="l" defTabSz="457200" rtl="0" eaLnBrk="1" latinLnBrk="0" hangingPunct="1">
-              <a:spcBef>
-                <a:spcPts val="1000"/>
-              </a:spcBef>
-              <a:spcAft>
-                <a:spcPts val="0"/>
-              </a:spcAft>
-              <a:buClr>
-                <a:schemeClr val="accent1"/>
-              </a:buClr>
-              <a:buSzPct val="80000"/>
-              <a:buFont typeface="Wingdings 3" charset="2"/>
-              <a:buChar char=""/>
-              <a:defRPr sz="1200" kern="1200">
-                <a:solidFill>
-                  <a:schemeClr val="tx1">
-                    <a:lumMod val="75000"/>
-                    <a:lumOff val="25000"/>
-                  </a:schemeClr>
-                </a:solidFill>
-                <a:latin typeface="+mn-lt"/>
-                <a:ea typeface="+mn-ea"/>
-                <a:cs typeface="+mn-cs"/>
-              </a:defRPr>
-            </a:lvl8pPr>
-            <a:lvl9pPr marL="3886200" indent="-228600" algn="l" defTabSz="457200" rtl="0" eaLnBrk="1" latinLnBrk="0" hangingPunct="1">
-              <a:spcBef>
-                <a:spcPts val="1000"/>
-              </a:spcBef>
-              <a:spcAft>
-                <a:spcPts val="0"/>
-              </a:spcAft>
-              <a:buClr>
-                <a:schemeClr val="accent1"/>
-              </a:buClr>
-              <a:buSzPct val="80000"/>
-              <a:buFont typeface="Wingdings 3" charset="2"/>
-              <a:buChar char=""/>
-              <a:defRPr sz="1200" kern="1200">
-                <a:solidFill>
-                  <a:schemeClr val="tx1">
-                    <a:lumMod val="75000"/>
-                    <a:lumOff val="25000"/>
-                  </a:schemeClr>
-                </a:solidFill>
-                <a:latin typeface="+mn-lt"/>
-                <a:ea typeface="+mn-ea"/>
-                <a:cs typeface="+mn-cs"/>
-              </a:defRPr>
-            </a:lvl9pPr>
-          </a:lstStyle>
-          <a:p>
             <a:pPr lvl="1"/>
             <a:endParaRPr lang="en-US" sz="2600" dirty="0" smtClean="0"/>
           </a:p>
@@ -11105,13 +11207,27 @@
           <a:p>
             <a:r>
               <a:rPr lang="en-US" sz="2800" dirty="0" smtClean="0"/>
-              <a:t>Updating the SQL queries to only show concerts that have not yet started</a:t>
+              <a:t>Update the search function account for all possible user inputs</a:t>
             </a:r>
           </a:p>
           <a:p>
             <a:r>
               <a:rPr lang="en-US" sz="2800" dirty="0" smtClean="0"/>
-              <a:t>Fix the ‘odd’ character/symbols bugs</a:t>
+              <a:t>Updating the SQL queries to </a:t>
+            </a:r>
+            <a:r>
+              <a:rPr lang="en-US" sz="2800" smtClean="0"/>
+              <a:t>account for bugs</a:t>
+            </a:r>
+          </a:p>
+          <a:p>
+            <a:r>
+              <a:rPr lang="en-US" sz="2800" smtClean="0"/>
+              <a:t>Fix </a:t>
+            </a:r>
+            <a:r>
+              <a:rPr lang="en-US" sz="2800" dirty="0" smtClean="0"/>
+              <a:t>the ‘odd’ character/symbols bugs</a:t>
             </a:r>
           </a:p>
         </p:txBody>
@@ -11480,13 +11596,8 @@
           <a:p>
             <a:r>
               <a:rPr lang="en-US" sz="2000" dirty="0" smtClean="0"/>
-              <a:t>A GUI to make the User </a:t>
-            </a:r>
-            <a:r>
-              <a:rPr lang="en-US" sz="2000" smtClean="0"/>
-              <a:t>experience nicer</a:t>
-            </a:r>
-            <a:endParaRPr lang="en-US" sz="2000" dirty="0" smtClean="0"/>
+              <a:t>A GUI to make the User experience nicer</a:t>
+            </a:r>
           </a:p>
         </p:txBody>
       </p:sp>

--- a/Technical Presentation/Technical Presentation - Java Lagged.pptx
+++ b/Technical Presentation/Technical Presentation - Java Lagged.pptx
@@ -125,6 +125,11 @@
       </a:defRPr>
     </a:lvl9pPr>
   </p:defaultTextStyle>
+  <p:extLst>
+    <p:ext uri="{EFAFB233-063F-42B5-8137-9DF3F51BA10A}">
+      <p15:sldGuideLst xmlns:p15="http://schemas.microsoft.com/office/powerpoint/2012/main"/>
+    </p:ext>
+  </p:extLst>
 </p:presentation>
 </file>
 
@@ -1090,6 +1095,13 @@
         </dgm:presLayoutVars>
       </dgm:prSet>
       <dgm:spPr/>
+      <dgm:t>
+        <a:bodyPr/>
+        <a:lstStyle/>
+        <a:p>
+          <a:endParaRPr lang="en-US"/>
+        </a:p>
+      </dgm:t>
     </dgm:pt>
     <dgm:pt modelId="{F2EAB9FF-A2AA-EB4C-A3BA-9376E44F04E7}" type="pres">
       <dgm:prSet presAssocID="{2BCD6A3D-366D-794B-8B2C-32C88907550C}" presName="dummy" presStyleCnt="0"/>
@@ -1113,6 +1125,13 @@
     <dgm:pt modelId="{AF2FD4F5-BDD6-1A44-BF87-1C52205461E6}" type="pres">
       <dgm:prSet presAssocID="{FDC1235B-0FC4-4746-94B2-27D427DFFB42}" presName="sibTrans" presStyleLbl="node1" presStyleIdx="0" presStyleCnt="5" custLinFactNeighborY="673"/>
       <dgm:spPr/>
+      <dgm:t>
+        <a:bodyPr/>
+        <a:lstStyle/>
+        <a:p>
+          <a:endParaRPr lang="en-US"/>
+        </a:p>
+      </dgm:t>
     </dgm:pt>
     <dgm:pt modelId="{4F7E11CA-7A8D-8A45-A178-DBAD2B4D25F4}" type="pres">
       <dgm:prSet presAssocID="{53B11683-8F4F-E441-BEC6-DE945E9AB1FC}" presName="dummy" presStyleCnt="0"/>
@@ -1136,6 +1155,13 @@
     <dgm:pt modelId="{75C6676A-040C-8F42-8235-7A1C8BC03742}" type="pres">
       <dgm:prSet presAssocID="{FD247472-245F-AE4C-AF99-A17E48C472EC}" presName="sibTrans" presStyleLbl="node1" presStyleIdx="1" presStyleCnt="5"/>
       <dgm:spPr/>
+      <dgm:t>
+        <a:bodyPr/>
+        <a:lstStyle/>
+        <a:p>
+          <a:endParaRPr lang="en-US"/>
+        </a:p>
+      </dgm:t>
     </dgm:pt>
     <dgm:pt modelId="{CD46F871-0DD3-C347-A9D8-D4982A4F3346}" type="pres">
       <dgm:prSet presAssocID="{CEDF3B7F-A205-2348-AD8D-2662F2E246A9}" presName="dummy" presStyleCnt="0"/>
@@ -1148,10 +1174,24 @@
         </dgm:presLayoutVars>
       </dgm:prSet>
       <dgm:spPr/>
+      <dgm:t>
+        <a:bodyPr/>
+        <a:lstStyle/>
+        <a:p>
+          <a:endParaRPr lang="en-US"/>
+        </a:p>
+      </dgm:t>
     </dgm:pt>
     <dgm:pt modelId="{D84BA610-DDC1-0949-8752-3ECEB0FEAA97}" type="pres">
       <dgm:prSet presAssocID="{A322BBFD-6951-864B-8226-8B51E139594D}" presName="sibTrans" presStyleLbl="node1" presStyleIdx="2" presStyleCnt="5"/>
       <dgm:spPr/>
+      <dgm:t>
+        <a:bodyPr/>
+        <a:lstStyle/>
+        <a:p>
+          <a:endParaRPr lang="en-US"/>
+        </a:p>
+      </dgm:t>
     </dgm:pt>
     <dgm:pt modelId="{236E5D8D-E5F1-4B41-BE87-B831F3D19865}" type="pres">
       <dgm:prSet presAssocID="{627D7B61-1480-694F-AFC3-E6FB753336DF}" presName="dummy" presStyleCnt="0"/>
@@ -1175,6 +1215,13 @@
     <dgm:pt modelId="{3C083E73-331C-CB49-8964-D4D7CBED79B5}" type="pres">
       <dgm:prSet presAssocID="{1D414F48-2BED-454B-A83A-C795111AEDC3}" presName="sibTrans" presStyleLbl="node1" presStyleIdx="3" presStyleCnt="5"/>
       <dgm:spPr/>
+      <dgm:t>
+        <a:bodyPr/>
+        <a:lstStyle/>
+        <a:p>
+          <a:endParaRPr lang="en-US"/>
+        </a:p>
+      </dgm:t>
     </dgm:pt>
     <dgm:pt modelId="{E5F17336-3106-C04C-B6C1-937D926D064F}" type="pres">
       <dgm:prSet presAssocID="{571F2461-3586-8A46-827C-24191DE275B8}" presName="dummy" presStyleCnt="0"/>
@@ -1187,29 +1234,43 @@
         </dgm:presLayoutVars>
       </dgm:prSet>
       <dgm:spPr/>
+      <dgm:t>
+        <a:bodyPr/>
+        <a:lstStyle/>
+        <a:p>
+          <a:endParaRPr lang="en-US"/>
+        </a:p>
+      </dgm:t>
     </dgm:pt>
     <dgm:pt modelId="{510115F9-3739-E94E-8BF7-B34D6D8B1927}" type="pres">
       <dgm:prSet presAssocID="{A34F7935-F94A-C049-9FA6-A7E16B84AC15}" presName="sibTrans" presStyleLbl="node1" presStyleIdx="4" presStyleCnt="5"/>
       <dgm:spPr/>
+      <dgm:t>
+        <a:bodyPr/>
+        <a:lstStyle/>
+        <a:p>
+          <a:endParaRPr lang="en-US"/>
+        </a:p>
+      </dgm:t>
     </dgm:pt>
   </dgm:ptLst>
   <dgm:cxnLst>
+    <dgm:cxn modelId="{D12EC3BC-395B-7A48-A20F-1D93FE217A0B}" type="presOf" srcId="{571F2461-3586-8A46-827C-24191DE275B8}" destId="{3B5B0166-6985-B547-B3F5-84787C4B2452}" srcOrd="0" destOrd="0" presId="urn:microsoft.com/office/officeart/2005/8/layout/cycle1"/>
+    <dgm:cxn modelId="{0FCA8014-523C-D941-ADEC-74E37B041557}" srcId="{A65C92DD-372A-6C4E-B3FF-DE4CC82D76CD}" destId="{53B11683-8F4F-E441-BEC6-DE945E9AB1FC}" srcOrd="1" destOrd="0" parTransId="{D4774802-9CA9-B745-BCB6-B03DA0DAC568}" sibTransId="{FD247472-245F-AE4C-AF99-A17E48C472EC}"/>
     <dgm:cxn modelId="{FDF171D3-2667-444C-9296-FFD85D0E1D76}" type="presOf" srcId="{A34F7935-F94A-C049-9FA6-A7E16B84AC15}" destId="{510115F9-3739-E94E-8BF7-B34D6D8B1927}" srcOrd="0" destOrd="0" presId="urn:microsoft.com/office/officeart/2005/8/layout/cycle1"/>
+    <dgm:cxn modelId="{3C3BC8E5-57CC-EA48-AB6A-383EC242CC77}" type="presOf" srcId="{FDC1235B-0FC4-4746-94B2-27D427DFFB42}" destId="{AF2FD4F5-BDD6-1A44-BF87-1C52205461E6}" srcOrd="0" destOrd="0" presId="urn:microsoft.com/office/officeart/2005/8/layout/cycle1"/>
+    <dgm:cxn modelId="{F2E35A78-EF30-E543-BE8E-5992A68BA8C6}" srcId="{A65C92DD-372A-6C4E-B3FF-DE4CC82D76CD}" destId="{571F2461-3586-8A46-827C-24191DE275B8}" srcOrd="4" destOrd="0" parTransId="{8C398D8A-80D6-0E42-B091-60574125CA96}" sibTransId="{A34F7935-F94A-C049-9FA6-A7E16B84AC15}"/>
+    <dgm:cxn modelId="{CFFA2380-2109-1C40-B4FA-FD5DAD8FA007}" type="presOf" srcId="{A65C92DD-372A-6C4E-B3FF-DE4CC82D76CD}" destId="{843455B9-8FB0-3343-85B1-A97B715C9DD6}" srcOrd="0" destOrd="0" presId="urn:microsoft.com/office/officeart/2005/8/layout/cycle1"/>
+    <dgm:cxn modelId="{C511B52F-F649-2546-B65E-0370EAE995A6}" type="presOf" srcId="{1D414F48-2BED-454B-A83A-C795111AEDC3}" destId="{3C083E73-331C-CB49-8964-D4D7CBED79B5}" srcOrd="0" destOrd="0" presId="urn:microsoft.com/office/officeart/2005/8/layout/cycle1"/>
+    <dgm:cxn modelId="{54F1FA35-A14A-F047-890E-F777A1C87025}" type="presOf" srcId="{53B11683-8F4F-E441-BEC6-DE945E9AB1FC}" destId="{72B81F14-F9D8-654D-8F4B-09AB41FEC73D}" srcOrd="0" destOrd="0" presId="urn:microsoft.com/office/officeart/2005/8/layout/cycle1"/>
+    <dgm:cxn modelId="{D1C8C535-6484-9447-BC46-9638CEA34143}" type="presOf" srcId="{CEDF3B7F-A205-2348-AD8D-2662F2E246A9}" destId="{F7415D74-AA37-954A-B5BC-EF423171F250}" srcOrd="0" destOrd="0" presId="urn:microsoft.com/office/officeart/2005/8/layout/cycle1"/>
+    <dgm:cxn modelId="{DF13FF6D-2192-E34F-9549-FBEB5EF127B6}" srcId="{A65C92DD-372A-6C4E-B3FF-DE4CC82D76CD}" destId="{2BCD6A3D-366D-794B-8B2C-32C88907550C}" srcOrd="0" destOrd="0" parTransId="{59BB5249-1E1B-8B4D-976B-E1A88D40CAA6}" sibTransId="{FDC1235B-0FC4-4746-94B2-27D427DFFB42}"/>
+    <dgm:cxn modelId="{998F95FA-5C11-A34F-9116-D1B35A1B91F8}" type="presOf" srcId="{A322BBFD-6951-864B-8226-8B51E139594D}" destId="{D84BA610-DDC1-0949-8752-3ECEB0FEAA97}" srcOrd="0" destOrd="0" presId="urn:microsoft.com/office/officeart/2005/8/layout/cycle1"/>
+    <dgm:cxn modelId="{AB7E31E5-BCB6-6B4B-B40E-8D91951553CB}" srcId="{A65C92DD-372A-6C4E-B3FF-DE4CC82D76CD}" destId="{CEDF3B7F-A205-2348-AD8D-2662F2E246A9}" srcOrd="2" destOrd="0" parTransId="{30F6A5C7-282C-1541-968C-041C6D51317B}" sibTransId="{A322BBFD-6951-864B-8226-8B51E139594D}"/>
+    <dgm:cxn modelId="{77A9F094-B25F-1C40-9A5D-88D07B6FD6E6}" type="presOf" srcId="{2BCD6A3D-366D-794B-8B2C-32C88907550C}" destId="{FAC0C95F-0F93-FD4E-8FD2-C078DF18447F}" srcOrd="0" destOrd="0" presId="urn:microsoft.com/office/officeart/2005/8/layout/cycle1"/>
     <dgm:cxn modelId="{959775B3-5A81-F34D-B019-2189B9CC9A02}" srcId="{A65C92DD-372A-6C4E-B3FF-DE4CC82D76CD}" destId="{627D7B61-1480-694F-AFC3-E6FB753336DF}" srcOrd="3" destOrd="0" parTransId="{85C0248E-C8DB-AF42-BD1B-75367E49A4A4}" sibTransId="{1D414F48-2BED-454B-A83A-C795111AEDC3}"/>
-    <dgm:cxn modelId="{CFFA2380-2109-1C40-B4FA-FD5DAD8FA007}" type="presOf" srcId="{A65C92DD-372A-6C4E-B3FF-DE4CC82D76CD}" destId="{843455B9-8FB0-3343-85B1-A97B715C9DD6}" srcOrd="0" destOrd="0" presId="urn:microsoft.com/office/officeart/2005/8/layout/cycle1"/>
     <dgm:cxn modelId="{0277F11C-9DE6-164C-894B-F4A165D4B8F5}" type="presOf" srcId="{627D7B61-1480-694F-AFC3-E6FB753336DF}" destId="{71EE73FF-A55E-0643-B6C6-BDC95A3B2CF5}" srcOrd="0" destOrd="0" presId="urn:microsoft.com/office/officeart/2005/8/layout/cycle1"/>
     <dgm:cxn modelId="{1B17774A-CC8B-1548-AFFD-6B7BA5490898}" type="presOf" srcId="{FD247472-245F-AE4C-AF99-A17E48C472EC}" destId="{75C6676A-040C-8F42-8235-7A1C8BC03742}" srcOrd="0" destOrd="0" presId="urn:microsoft.com/office/officeart/2005/8/layout/cycle1"/>
-    <dgm:cxn modelId="{3C3BC8E5-57CC-EA48-AB6A-383EC242CC77}" type="presOf" srcId="{FDC1235B-0FC4-4746-94B2-27D427DFFB42}" destId="{AF2FD4F5-BDD6-1A44-BF87-1C52205461E6}" srcOrd="0" destOrd="0" presId="urn:microsoft.com/office/officeart/2005/8/layout/cycle1"/>
-    <dgm:cxn modelId="{54F1FA35-A14A-F047-890E-F777A1C87025}" type="presOf" srcId="{53B11683-8F4F-E441-BEC6-DE945E9AB1FC}" destId="{72B81F14-F9D8-654D-8F4B-09AB41FEC73D}" srcOrd="0" destOrd="0" presId="urn:microsoft.com/office/officeart/2005/8/layout/cycle1"/>
-    <dgm:cxn modelId="{0FCA8014-523C-D941-ADEC-74E37B041557}" srcId="{A65C92DD-372A-6C4E-B3FF-DE4CC82D76CD}" destId="{53B11683-8F4F-E441-BEC6-DE945E9AB1FC}" srcOrd="1" destOrd="0" parTransId="{D4774802-9CA9-B745-BCB6-B03DA0DAC568}" sibTransId="{FD247472-245F-AE4C-AF99-A17E48C472EC}"/>
-    <dgm:cxn modelId="{C511B52F-F649-2546-B65E-0370EAE995A6}" type="presOf" srcId="{1D414F48-2BED-454B-A83A-C795111AEDC3}" destId="{3C083E73-331C-CB49-8964-D4D7CBED79B5}" srcOrd="0" destOrd="0" presId="urn:microsoft.com/office/officeart/2005/8/layout/cycle1"/>
-    <dgm:cxn modelId="{F2E35A78-EF30-E543-BE8E-5992A68BA8C6}" srcId="{A65C92DD-372A-6C4E-B3FF-DE4CC82D76CD}" destId="{571F2461-3586-8A46-827C-24191DE275B8}" srcOrd="4" destOrd="0" parTransId="{8C398D8A-80D6-0E42-B091-60574125CA96}" sibTransId="{A34F7935-F94A-C049-9FA6-A7E16B84AC15}"/>
-    <dgm:cxn modelId="{D12EC3BC-395B-7A48-A20F-1D93FE217A0B}" type="presOf" srcId="{571F2461-3586-8A46-827C-24191DE275B8}" destId="{3B5B0166-6985-B547-B3F5-84787C4B2452}" srcOrd="0" destOrd="0" presId="urn:microsoft.com/office/officeart/2005/8/layout/cycle1"/>
-    <dgm:cxn modelId="{998F95FA-5C11-A34F-9116-D1B35A1B91F8}" type="presOf" srcId="{A322BBFD-6951-864B-8226-8B51E139594D}" destId="{D84BA610-DDC1-0949-8752-3ECEB0FEAA97}" srcOrd="0" destOrd="0" presId="urn:microsoft.com/office/officeart/2005/8/layout/cycle1"/>
-    <dgm:cxn modelId="{D1C8C535-6484-9447-BC46-9638CEA34143}" type="presOf" srcId="{CEDF3B7F-A205-2348-AD8D-2662F2E246A9}" destId="{F7415D74-AA37-954A-B5BC-EF423171F250}" srcOrd="0" destOrd="0" presId="urn:microsoft.com/office/officeart/2005/8/layout/cycle1"/>
-    <dgm:cxn modelId="{77A9F094-B25F-1C40-9A5D-88D07B6FD6E6}" type="presOf" srcId="{2BCD6A3D-366D-794B-8B2C-32C88907550C}" destId="{FAC0C95F-0F93-FD4E-8FD2-C078DF18447F}" srcOrd="0" destOrd="0" presId="urn:microsoft.com/office/officeart/2005/8/layout/cycle1"/>
-    <dgm:cxn modelId="{AB7E31E5-BCB6-6B4B-B40E-8D91951553CB}" srcId="{A65C92DD-372A-6C4E-B3FF-DE4CC82D76CD}" destId="{CEDF3B7F-A205-2348-AD8D-2662F2E246A9}" srcOrd="2" destOrd="0" parTransId="{30F6A5C7-282C-1541-968C-041C6D51317B}" sibTransId="{A322BBFD-6951-864B-8226-8B51E139594D}"/>
-    <dgm:cxn modelId="{DF13FF6D-2192-E34F-9549-FBEB5EF127B6}" srcId="{A65C92DD-372A-6C4E-B3FF-DE4CC82D76CD}" destId="{2BCD6A3D-366D-794B-8B2C-32C88907550C}" srcOrd="0" destOrd="0" parTransId="{59BB5249-1E1B-8B4D-976B-E1A88D40CAA6}" sibTransId="{FDC1235B-0FC4-4746-94B2-27D427DFFB42}"/>
     <dgm:cxn modelId="{775BB1D3-E43F-7649-B469-5DCDC5F586C6}" type="presParOf" srcId="{843455B9-8FB0-3343-85B1-A97B715C9DD6}" destId="{F2EAB9FF-A2AA-EB4C-A3BA-9376E44F04E7}" srcOrd="0" destOrd="0" presId="urn:microsoft.com/office/officeart/2005/8/layout/cycle1"/>
     <dgm:cxn modelId="{85E79CC3-2450-C042-8255-1762FFDCD718}" type="presParOf" srcId="{843455B9-8FB0-3343-85B1-A97B715C9DD6}" destId="{FAC0C95F-0F93-FD4E-8FD2-C078DF18447F}" srcOrd="1" destOrd="0" presId="urn:microsoft.com/office/officeart/2005/8/layout/cycle1"/>
     <dgm:cxn modelId="{2187F948-66A2-E34D-A662-6AE32E40C555}" type="presParOf" srcId="{843455B9-8FB0-3343-85B1-A97B715C9DD6}" destId="{AF2FD4F5-BDD6-1A44-BF87-1C52205461E6}" srcOrd="2" destOrd="0" presId="urn:microsoft.com/office/officeart/2005/8/layout/cycle1"/>
@@ -3220,7 +3281,7 @@
           <a:p>
             <a:fld id="{16636D92-206F-4A47-8890-2A88CFBB2AB6}" type="datetimeFigureOut">
               <a:rPr lang="en-US" smtClean="0"/>
-              <a:t>7/13/22</a:t>
+              <a:t>7/14/22</a:t>
             </a:fld>
             <a:endParaRPr lang="en-US"/>
           </a:p>
@@ -4234,7 +4295,7 @@
             <a:fld id="{B61BEF0D-F0BB-DE4B-95CE-6DB70DBA9567}" type="datetimeFigureOut">
               <a:rPr lang="en-US" smtClean="0"/>
               <a:pPr/>
-              <a:t>7/13/22</a:t>
+              <a:t>7/14/22</a:t>
             </a:fld>
             <a:endParaRPr lang="en-US" dirty="0"/>
           </a:p>
@@ -4482,7 +4543,7 @@
             <a:fld id="{B61BEF0D-F0BB-DE4B-95CE-6DB70DBA9567}" type="datetimeFigureOut">
               <a:rPr lang="en-US" smtClean="0"/>
               <a:pPr/>
-              <a:t>7/13/22</a:t>
+              <a:t>7/14/22</a:t>
             </a:fld>
             <a:endParaRPr lang="en-US" dirty="0"/>
           </a:p>
@@ -4793,7 +4854,7 @@
             <a:fld id="{B61BEF0D-F0BB-DE4B-95CE-6DB70DBA9567}" type="datetimeFigureOut">
               <a:rPr lang="en-US" smtClean="0"/>
               <a:pPr/>
-              <a:t>7/13/22</a:t>
+              <a:t>7/14/22</a:t>
             </a:fld>
             <a:endParaRPr lang="en-US" dirty="0"/>
           </a:p>
@@ -5123,7 +5184,7 @@
             <a:fld id="{B61BEF0D-F0BB-DE4B-95CE-6DB70DBA9567}" type="datetimeFigureOut">
               <a:rPr lang="en-US" smtClean="0"/>
               <a:pPr/>
-              <a:t>7/13/22</a:t>
+              <a:t>7/14/22</a:t>
             </a:fld>
             <a:endParaRPr lang="en-US" dirty="0"/>
           </a:p>
@@ -5434,7 +5495,7 @@
             <a:fld id="{B61BEF0D-F0BB-DE4B-95CE-6DB70DBA9567}" type="datetimeFigureOut">
               <a:rPr lang="en-US" smtClean="0"/>
               <a:pPr/>
-              <a:t>7/13/22</a:t>
+              <a:t>7/14/22</a:t>
             </a:fld>
             <a:endParaRPr lang="en-US" dirty="0"/>
           </a:p>
@@ -5824,7 +5885,7 @@
             <a:fld id="{B61BEF0D-F0BB-DE4B-95CE-6DB70DBA9567}" type="datetimeFigureOut">
               <a:rPr lang="en-US" smtClean="0"/>
               <a:pPr/>
-              <a:t>7/13/22</a:t>
+              <a:t>7/14/22</a:t>
             </a:fld>
             <a:endParaRPr lang="en-US" dirty="0"/>
           </a:p>
@@ -5990,7 +6051,7 @@
           <a:p>
             <a:fld id="{55C6B4A9-1611-4792-9094-5F34BCA07E0B}" type="datetimeFigureOut">
               <a:rPr lang="en-US" smtClean="0"/>
-              <a:t>7/13/22</a:t>
+              <a:t>7/14/22</a:t>
             </a:fld>
             <a:endParaRPr lang="en-US" dirty="0"/>
           </a:p>
@@ -6166,7 +6227,7 @@
             <a:fld id="{B61BEF0D-F0BB-DE4B-95CE-6DB70DBA9567}" type="datetimeFigureOut">
               <a:rPr lang="en-US" smtClean="0"/>
               <a:pPr/>
-              <a:t>7/13/22</a:t>
+              <a:t>7/14/22</a:t>
             </a:fld>
             <a:endParaRPr lang="en-US" dirty="0"/>
           </a:p>
@@ -6333,7 +6394,7 @@
             <a:fld id="{B61BEF0D-F0BB-DE4B-95CE-6DB70DBA9567}" type="datetimeFigureOut">
               <a:rPr lang="en-US" smtClean="0"/>
               <a:pPr/>
-              <a:t>7/13/22</a:t>
+              <a:t>7/14/22</a:t>
             </a:fld>
             <a:endParaRPr lang="en-US" dirty="0"/>
           </a:p>
@@ -6577,7 +6638,7 @@
             <a:fld id="{B61BEF0D-F0BB-DE4B-95CE-6DB70DBA9567}" type="datetimeFigureOut">
               <a:rPr lang="en-US" smtClean="0"/>
               <a:pPr/>
-              <a:t>7/13/22</a:t>
+              <a:t>7/14/22</a:t>
             </a:fld>
             <a:endParaRPr lang="en-US" dirty="0"/>
           </a:p>
@@ -6805,7 +6866,7 @@
           <a:p>
             <a:fld id="{EB712588-04B1-427B-82EE-E8DB90309F08}" type="datetimeFigureOut">
               <a:rPr lang="en-US" smtClean="0"/>
-              <a:t>7/13/22</a:t>
+              <a:t>7/14/22</a:t>
             </a:fld>
             <a:endParaRPr lang="en-US" dirty="0"/>
           </a:p>
@@ -7175,7 +7236,7 @@
             <a:fld id="{B61BEF0D-F0BB-DE4B-95CE-6DB70DBA9567}" type="datetimeFigureOut">
               <a:rPr lang="en-US" smtClean="0"/>
               <a:pPr/>
-              <a:t>7/13/22</a:t>
+              <a:t>7/14/22</a:t>
             </a:fld>
             <a:endParaRPr lang="en-US" dirty="0"/>
           </a:p>
@@ -7295,7 +7356,7 @@
             <a:fld id="{B61BEF0D-F0BB-DE4B-95CE-6DB70DBA9567}" type="datetimeFigureOut">
               <a:rPr lang="en-US" smtClean="0"/>
               <a:pPr/>
-              <a:t>7/13/22</a:t>
+              <a:t>7/14/22</a:t>
             </a:fld>
             <a:endParaRPr lang="en-US" dirty="0"/>
           </a:p>
@@ -7387,7 +7448,7 @@
             <a:fld id="{B61BEF0D-F0BB-DE4B-95CE-6DB70DBA9567}" type="datetimeFigureOut">
               <a:rPr lang="en-US" smtClean="0"/>
               <a:pPr/>
-              <a:t>7/13/22</a:t>
+              <a:t>7/14/22</a:t>
             </a:fld>
             <a:endParaRPr lang="en-US" dirty="0"/>
           </a:p>
@@ -7638,7 +7699,7 @@
           <a:p>
             <a:fld id="{42A54C80-263E-416B-A8E0-580EDEADCBDC}" type="datetimeFigureOut">
               <a:rPr lang="en-US" smtClean="0"/>
-              <a:t>7/13/22</a:t>
+              <a:t>7/14/22</a:t>
             </a:fld>
             <a:endParaRPr lang="en-US" dirty="0"/>
           </a:p>
@@ -7940,7 +8001,7 @@
             <a:fld id="{B61BEF0D-F0BB-DE4B-95CE-6DB70DBA9567}" type="datetimeFigureOut">
               <a:rPr lang="en-US" smtClean="0"/>
               <a:pPr/>
-              <a:t>7/13/22</a:t>
+              <a:t>7/14/22</a:t>
             </a:fld>
             <a:endParaRPr lang="en-US" dirty="0"/>
           </a:p>
@@ -8638,7 +8699,7 @@
             <a:fld id="{B61BEF0D-F0BB-DE4B-95CE-6DB70DBA9567}" type="datetimeFigureOut">
               <a:rPr lang="en-US" smtClean="0"/>
               <a:pPr/>
-              <a:t>7/13/22</a:t>
+              <a:t>7/14/22</a:t>
             </a:fld>
             <a:endParaRPr lang="en-US" dirty="0"/>
           </a:p>
@@ -9176,10 +9237,10 @@
           <p:cNvPr id="8" name="Rectangle 7">
             <a:extLst>
               <a:ext uri="{FF2B5EF4-FFF2-40B4-BE49-F238E27FC236}">
-                <a16:creationId xmlns:a16="http://schemas.microsoft.com/office/drawing/2014/main" xmlns="" id="{9179DE42-5613-4B35-A1E6-6CCBAA13C743}"/>
+                <a16:creationId xmlns="" xmlns:a16="http://schemas.microsoft.com/office/drawing/2014/main" id="{9179DE42-5613-4B35-A1E6-6CCBAA13C743}"/>
               </a:ext>
               <a:ext uri="{C183D7F6-B498-43B3-948B-1728B52AA6E4}">
-                <adec:decorative xmlns:adec="http://schemas.microsoft.com/office/drawing/2017/decorative" xmlns="" val="1"/>
+                <adec:decorative xmlns="" xmlns:adec="http://schemas.microsoft.com/office/drawing/2017/decorative" val="1"/>
               </a:ext>
             </a:extLst>
           </p:cNvPr>
@@ -9236,10 +9297,10 @@
           <p:cNvPr id="10" name="Straight Connector 9">
             <a:extLst>
               <a:ext uri="{FF2B5EF4-FFF2-40B4-BE49-F238E27FC236}">
-                <a16:creationId xmlns:a16="http://schemas.microsoft.com/office/drawing/2014/main" xmlns="" id="{EB898B32-3891-4C3A-8F58-C5969D2E9033}"/>
+                <a16:creationId xmlns="" xmlns:a16="http://schemas.microsoft.com/office/drawing/2014/main" id="{EB898B32-3891-4C3A-8F58-C5969D2E9033}"/>
               </a:ext>
               <a:ext uri="{C183D7F6-B498-43B3-948B-1728B52AA6E4}">
-                <adec:decorative xmlns:adec="http://schemas.microsoft.com/office/drawing/2017/decorative" xmlns="" val="1"/>
+                <adec:decorative xmlns="" xmlns:adec="http://schemas.microsoft.com/office/drawing/2017/decorative" val="1"/>
               </a:ext>
             </a:extLst>
           </p:cNvPr>
@@ -9290,10 +9351,10 @@
           <p:cNvPr id="12" name="Straight Connector 11">
             <a:extLst>
               <a:ext uri="{FF2B5EF4-FFF2-40B4-BE49-F238E27FC236}">
-                <a16:creationId xmlns:a16="http://schemas.microsoft.com/office/drawing/2014/main" xmlns="" id="{4AE4806D-B8F9-4679-A68A-9BD21C01A301}"/>
+                <a16:creationId xmlns="" xmlns:a16="http://schemas.microsoft.com/office/drawing/2014/main" id="{4AE4806D-B8F9-4679-A68A-9BD21C01A301}"/>
               </a:ext>
               <a:ext uri="{C183D7F6-B498-43B3-948B-1728B52AA6E4}">
-                <adec:decorative xmlns:adec="http://schemas.microsoft.com/office/drawing/2017/decorative" xmlns="" val="1"/>
+                <adec:decorative xmlns="" xmlns:adec="http://schemas.microsoft.com/office/drawing/2017/decorative" val="1"/>
               </a:ext>
             </a:extLst>
           </p:cNvPr>
@@ -9346,10 +9407,10 @@
           <p:cNvPr id="14" name="Rectangle 23">
             <a:extLst>
               <a:ext uri="{FF2B5EF4-FFF2-40B4-BE49-F238E27FC236}">
-                <a16:creationId xmlns:a16="http://schemas.microsoft.com/office/drawing/2014/main" xmlns="" id="{52FB45E9-914E-4471-AC87-E475CD51767D}"/>
+                <a16:creationId xmlns="" xmlns:a16="http://schemas.microsoft.com/office/drawing/2014/main" id="{52FB45E9-914E-4471-AC87-E475CD51767D}"/>
               </a:ext>
               <a:ext uri="{C183D7F6-B498-43B3-948B-1728B52AA6E4}">
-                <adec:decorative xmlns:adec="http://schemas.microsoft.com/office/drawing/2017/decorative" xmlns="" val="1"/>
+                <adec:decorative xmlns="" xmlns:adec="http://schemas.microsoft.com/office/drawing/2017/decorative" val="1"/>
               </a:ext>
             </a:extLst>
           </p:cNvPr>
@@ -9426,10 +9487,10 @@
           <p:cNvPr id="16" name="Rectangle 25">
             <a:extLst>
               <a:ext uri="{FF2B5EF4-FFF2-40B4-BE49-F238E27FC236}">
-                <a16:creationId xmlns:a16="http://schemas.microsoft.com/office/drawing/2014/main" xmlns="" id="{C310626D-5743-49D4-8F7D-88C4F8F05774}"/>
+                <a16:creationId xmlns="" xmlns:a16="http://schemas.microsoft.com/office/drawing/2014/main" id="{C310626D-5743-49D4-8F7D-88C4F8F05774}"/>
               </a:ext>
               <a:ext uri="{C183D7F6-B498-43B3-948B-1728B52AA6E4}">
-                <adec:decorative xmlns:adec="http://schemas.microsoft.com/office/drawing/2017/decorative" xmlns="" val="1"/>
+                <adec:decorative xmlns="" xmlns:adec="http://schemas.microsoft.com/office/drawing/2017/decorative" val="1"/>
               </a:ext>
             </a:extLst>
           </p:cNvPr>
@@ -9506,10 +9567,10 @@
           <p:cNvPr id="18" name="Isosceles Triangle 17">
             <a:extLst>
               <a:ext uri="{FF2B5EF4-FFF2-40B4-BE49-F238E27FC236}">
-                <a16:creationId xmlns:a16="http://schemas.microsoft.com/office/drawing/2014/main" xmlns="" id="{3C195FC1-B568-4C72-9902-34CB35DDD7A1}"/>
+                <a16:creationId xmlns="" xmlns:a16="http://schemas.microsoft.com/office/drawing/2014/main" id="{3C195FC1-B568-4C72-9902-34CB35DDD7A1}"/>
               </a:ext>
               <a:ext uri="{C183D7F6-B498-43B3-948B-1728B52AA6E4}">
-                <adec:decorative xmlns:adec="http://schemas.microsoft.com/office/drawing/2017/decorative" xmlns="" val="1"/>
+                <adec:decorative xmlns="" xmlns:adec="http://schemas.microsoft.com/office/drawing/2017/decorative" val="1"/>
               </a:ext>
             </a:extLst>
           </p:cNvPr>
@@ -9564,10 +9625,10 @@
           <p:cNvPr id="20" name="Rectangle 27">
             <a:extLst>
               <a:ext uri="{FF2B5EF4-FFF2-40B4-BE49-F238E27FC236}">
-                <a16:creationId xmlns:a16="http://schemas.microsoft.com/office/drawing/2014/main" xmlns="" id="{EF2BDF77-362C-43F0-8CBB-A969EC2AE0C4}"/>
+                <a16:creationId xmlns="" xmlns:a16="http://schemas.microsoft.com/office/drawing/2014/main" id="{EF2BDF77-362C-43F0-8CBB-A969EC2AE0C4}"/>
               </a:ext>
               <a:ext uri="{C183D7F6-B498-43B3-948B-1728B52AA6E4}">
-                <adec:decorative xmlns:adec="http://schemas.microsoft.com/office/drawing/2017/decorative" xmlns="" val="1"/>
+                <adec:decorative xmlns="" xmlns:adec="http://schemas.microsoft.com/office/drawing/2017/decorative" val="1"/>
               </a:ext>
             </a:extLst>
           </p:cNvPr>
@@ -9645,10 +9706,10 @@
           <p:cNvPr id="22" name="Isosceles Triangle 21">
             <a:extLst>
               <a:ext uri="{FF2B5EF4-FFF2-40B4-BE49-F238E27FC236}">
-                <a16:creationId xmlns:a16="http://schemas.microsoft.com/office/drawing/2014/main" xmlns="" id="{4BE96B01-3929-432D-B8C2-ADBCB74C2EF4}"/>
+                <a16:creationId xmlns="" xmlns:a16="http://schemas.microsoft.com/office/drawing/2014/main" id="{4BE96B01-3929-432D-B8C2-ADBCB74C2EF4}"/>
               </a:ext>
               <a:ext uri="{C183D7F6-B498-43B3-948B-1728B52AA6E4}">
-                <adec:decorative xmlns:adec="http://schemas.microsoft.com/office/drawing/2017/decorative" xmlns="" val="1"/>
+                <adec:decorative xmlns="" xmlns:adec="http://schemas.microsoft.com/office/drawing/2017/decorative" val="1"/>
               </a:ext>
             </a:extLst>
           </p:cNvPr>
@@ -9703,10 +9764,10 @@
           <p:cNvPr id="24" name="Freeform: Shape 23">
             <a:extLst>
               <a:ext uri="{FF2B5EF4-FFF2-40B4-BE49-F238E27FC236}">
-                <a16:creationId xmlns:a16="http://schemas.microsoft.com/office/drawing/2014/main" xmlns="" id="{2A6FCDE6-CDE2-4C51-B18E-A95CFB679714}"/>
+                <a16:creationId xmlns="" xmlns:a16="http://schemas.microsoft.com/office/drawing/2014/main" id="{2A6FCDE6-CDE2-4C51-B18E-A95CFB679714}"/>
               </a:ext>
               <a:ext uri="{C183D7F6-B498-43B3-948B-1728B52AA6E4}">
-                <adec:decorative xmlns:adec="http://schemas.microsoft.com/office/drawing/2017/decorative" xmlns="" val="1"/>
+                <adec:decorative xmlns="" xmlns:adec="http://schemas.microsoft.com/office/drawing/2017/decorative" val="1"/>
               </a:ext>
             </a:extLst>
           </p:cNvPr>
@@ -9905,10 +9966,10 @@
           <p:cNvPr id="26" name="Isosceles Triangle 25">
             <a:extLst>
               <a:ext uri="{FF2B5EF4-FFF2-40B4-BE49-F238E27FC236}">
-                <a16:creationId xmlns:a16="http://schemas.microsoft.com/office/drawing/2014/main" xmlns="" id="{9D2E8756-2465-473A-BA2A-2DB1D6224745}"/>
+                <a16:creationId xmlns="" xmlns:a16="http://schemas.microsoft.com/office/drawing/2014/main" id="{9D2E8756-2465-473A-BA2A-2DB1D6224745}"/>
               </a:ext>
               <a:ext uri="{C183D7F6-B498-43B3-948B-1728B52AA6E4}">
-                <adec:decorative xmlns:adec="http://schemas.microsoft.com/office/drawing/2017/decorative" xmlns="" val="1"/>
+                <adec:decorative xmlns="" xmlns:adec="http://schemas.microsoft.com/office/drawing/2017/decorative" val="1"/>
               </a:ext>
             </a:extLst>
           </p:cNvPr>
@@ -10609,14 +10670,12 @@
           </a:p>
           <a:p>
             <a:r>
+              <a:rPr lang="en-US" sz="2400" smtClean="0"/>
+              <a:t>Some </a:t>
+            </a:r>
+            <a:r>
               <a:rPr lang="en-US" sz="2400" dirty="0" smtClean="0"/>
-              <a:t>SQL Query to retrieve music performers stops when there are no music performers for a show. Currently the work around is to set a music performer for a performance with all fields amounting to null</a:t>
-            </a:r>
-          </a:p>
-          <a:p>
-            <a:r>
-              <a:rPr lang="en-US" sz="2400" dirty="0" smtClean="0"/>
-              <a:t>Some strings present ’odd’ symbols/characters. </a:t>
+              <a:t>strings present ’odd’ symbols/characters. </a:t>
             </a:r>
           </a:p>
           <a:p>
